--- a/lecture06.pptx
+++ b/lecture06.pptx
@@ -23,6 +23,7 @@
     <p:sldId id="313" r:id="rId17"/>
     <p:sldId id="314" r:id="rId18"/>
     <p:sldId id="315" r:id="rId19"/>
+    <p:sldId id="316" r:id="rId20"/>
   </p:sldIdLst>
   <p:sldSz cx="12192000" cy="6858000"/>
   <p:notesSz cx="6858000" cy="9144000"/>
@@ -121,6 +122,11 @@
       </a:defRPr>
     </a:lvl9pPr>
   </p:defaultTextStyle>
+  <p:extLst>
+    <p:ext uri="{EFAFB233-063F-42B5-8137-9DF3F51BA10A}">
+      <p15:sldGuideLst xmlns:p15="http://schemas.microsoft.com/office/powerpoint/2012/main"/>
+    </p:ext>
+  </p:extLst>
 </p:presentation>
 </file>
 
@@ -271,7 +277,7 @@
           <a:p>
             <a:fld id="{BA1FB71E-3674-4A9D-9A3E-92AA7C12AAA9}" type="datetimeFigureOut">
               <a:rPr lang="zh-TW" altLang="en-US" smtClean="0"/>
-              <a:t>2022/3/31</a:t>
+              <a:t>2022/4/7</a:t>
             </a:fld>
             <a:endParaRPr lang="zh-TW" altLang="en-US"/>
           </a:p>
@@ -469,7 +475,7 @@
           <a:p>
             <a:fld id="{BA1FB71E-3674-4A9D-9A3E-92AA7C12AAA9}" type="datetimeFigureOut">
               <a:rPr lang="zh-TW" altLang="en-US" smtClean="0"/>
-              <a:t>2022/3/31</a:t>
+              <a:t>2022/4/7</a:t>
             </a:fld>
             <a:endParaRPr lang="zh-TW" altLang="en-US"/>
           </a:p>
@@ -677,7 +683,7 @@
           <a:p>
             <a:fld id="{BA1FB71E-3674-4A9D-9A3E-92AA7C12AAA9}" type="datetimeFigureOut">
               <a:rPr lang="zh-TW" altLang="en-US" smtClean="0"/>
-              <a:t>2022/3/31</a:t>
+              <a:t>2022/4/7</a:t>
             </a:fld>
             <a:endParaRPr lang="zh-TW" altLang="en-US"/>
           </a:p>
@@ -875,7 +881,7 @@
           <a:p>
             <a:fld id="{BA1FB71E-3674-4A9D-9A3E-92AA7C12AAA9}" type="datetimeFigureOut">
               <a:rPr lang="zh-TW" altLang="en-US" smtClean="0"/>
-              <a:t>2022/3/31</a:t>
+              <a:t>2022/4/7</a:t>
             </a:fld>
             <a:endParaRPr lang="zh-TW" altLang="en-US"/>
           </a:p>
@@ -1150,7 +1156,7 @@
           <a:p>
             <a:fld id="{BA1FB71E-3674-4A9D-9A3E-92AA7C12AAA9}" type="datetimeFigureOut">
               <a:rPr lang="zh-TW" altLang="en-US" smtClean="0"/>
-              <a:t>2022/3/31</a:t>
+              <a:t>2022/4/7</a:t>
             </a:fld>
             <a:endParaRPr lang="zh-TW" altLang="en-US"/>
           </a:p>
@@ -1415,7 +1421,7 @@
           <a:p>
             <a:fld id="{BA1FB71E-3674-4A9D-9A3E-92AA7C12AAA9}" type="datetimeFigureOut">
               <a:rPr lang="zh-TW" altLang="en-US" smtClean="0"/>
-              <a:t>2022/3/31</a:t>
+              <a:t>2022/4/7</a:t>
             </a:fld>
             <a:endParaRPr lang="zh-TW" altLang="en-US"/>
           </a:p>
@@ -1827,7 +1833,7 @@
           <a:p>
             <a:fld id="{BA1FB71E-3674-4A9D-9A3E-92AA7C12AAA9}" type="datetimeFigureOut">
               <a:rPr lang="zh-TW" altLang="en-US" smtClean="0"/>
-              <a:t>2022/3/31</a:t>
+              <a:t>2022/4/7</a:t>
             </a:fld>
             <a:endParaRPr lang="zh-TW" altLang="en-US"/>
           </a:p>
@@ -1968,7 +1974,7 @@
           <a:p>
             <a:fld id="{BA1FB71E-3674-4A9D-9A3E-92AA7C12AAA9}" type="datetimeFigureOut">
               <a:rPr lang="zh-TW" altLang="en-US" smtClean="0"/>
-              <a:t>2022/3/31</a:t>
+              <a:t>2022/4/7</a:t>
             </a:fld>
             <a:endParaRPr lang="zh-TW" altLang="en-US"/>
           </a:p>
@@ -2081,7 +2087,7 @@
           <a:p>
             <a:fld id="{BA1FB71E-3674-4A9D-9A3E-92AA7C12AAA9}" type="datetimeFigureOut">
               <a:rPr lang="zh-TW" altLang="en-US" smtClean="0"/>
-              <a:t>2022/3/31</a:t>
+              <a:t>2022/4/7</a:t>
             </a:fld>
             <a:endParaRPr lang="zh-TW" altLang="en-US"/>
           </a:p>
@@ -2392,7 +2398,7 @@
           <a:p>
             <a:fld id="{BA1FB71E-3674-4A9D-9A3E-92AA7C12AAA9}" type="datetimeFigureOut">
               <a:rPr lang="zh-TW" altLang="en-US" smtClean="0"/>
-              <a:t>2022/3/31</a:t>
+              <a:t>2022/4/7</a:t>
             </a:fld>
             <a:endParaRPr lang="zh-TW" altLang="en-US"/>
           </a:p>
@@ -2680,7 +2686,7 @@
           <a:p>
             <a:fld id="{BA1FB71E-3674-4A9D-9A3E-92AA7C12AAA9}" type="datetimeFigureOut">
               <a:rPr lang="zh-TW" altLang="en-US" smtClean="0"/>
-              <a:t>2022/3/31</a:t>
+              <a:t>2022/4/7</a:t>
             </a:fld>
             <a:endParaRPr lang="zh-TW" altLang="en-US"/>
           </a:p>
@@ -2921,7 +2927,7 @@
           <a:p>
             <a:fld id="{BA1FB71E-3674-4A9D-9A3E-92AA7C12AAA9}" type="datetimeFigureOut">
               <a:rPr lang="zh-TW" altLang="en-US" smtClean="0"/>
-              <a:t>2022/3/31</a:t>
+              <a:t>2022/4/7</a:t>
             </a:fld>
             <a:endParaRPr lang="zh-TW" altLang="en-US"/>
           </a:p>
@@ -4020,7 +4026,7 @@
         </p:blipFill>
         <p:spPr>
           <a:xfrm>
-            <a:off x="71919" y="2026186"/>
+            <a:off x="207091" y="2026186"/>
             <a:ext cx="12192000" cy="3319335"/>
           </a:xfrm>
           <a:prstGeom prst="rect">
@@ -4487,6 +4493,151 @@
     <p:extLst>
       <p:ext uri="{BB962C8B-B14F-4D97-AF65-F5344CB8AC3E}">
         <p14:creationId xmlns:p14="http://schemas.microsoft.com/office/powerpoint/2010/main" val="3732671478"/>
+      </p:ext>
+    </p:extLst>
+  </p:cSld>
+  <p:clrMapOvr>
+    <a:masterClrMapping/>
+  </p:clrMapOvr>
+</p:sld>
+</file>
+
+<file path=ppt/slides/slide19.xml><?xml version="1.0" encoding="utf-8"?>
+<p:sld xmlns:a="http://schemas.openxmlformats.org/drawingml/2006/main" xmlns:r="http://schemas.openxmlformats.org/officeDocument/2006/relationships" xmlns:p="http://schemas.openxmlformats.org/presentationml/2006/main">
+  <p:cSld>
+    <p:spTree>
+      <p:nvGrpSpPr>
+        <p:cNvPr id="1" name=""/>
+        <p:cNvGrpSpPr/>
+        <p:nvPr/>
+      </p:nvGrpSpPr>
+      <p:grpSpPr>
+        <a:xfrm>
+          <a:off x="0" y="0"/>
+          <a:ext cx="0" cy="0"/>
+          <a:chOff x="0" y="0"/>
+          <a:chExt cx="0" cy="0"/>
+        </a:xfrm>
+      </p:grpSpPr>
+      <p:sp>
+        <p:nvSpPr>
+          <p:cNvPr id="2" name="標題 1">
+            <a:extLst>
+              <a:ext uri="{FF2B5EF4-FFF2-40B4-BE49-F238E27FC236}">
+                <a16:creationId xmlns:a16="http://schemas.microsoft.com/office/drawing/2014/main" id="{6E2D17FC-8E91-4D68-9E33-2E731C896C47}"/>
+              </a:ext>
+            </a:extLst>
+          </p:cNvPr>
+          <p:cNvSpPr>
+            <a:spLocks noGrp="1"/>
+          </p:cNvSpPr>
+          <p:nvPr>
+            <p:ph type="title"/>
+          </p:nvPr>
+        </p:nvSpPr>
+        <p:spPr>
+          <a:xfrm>
+            <a:off x="838200" y="365125"/>
+            <a:ext cx="10515600" cy="682839"/>
+          </a:xfrm>
+        </p:spPr>
+        <p:txBody>
+          <a:bodyPr>
+            <a:normAutofit fontScale="90000"/>
+          </a:bodyPr>
+          <a:lstStyle/>
+          <a:p>
+            <a:r>
+              <a:rPr lang="zh-TW" altLang="en-US" b="1" dirty="0">
+                <a:latin typeface="微軟正黑體" panose="020B0604030504040204" pitchFamily="34" charset="-120"/>
+                <a:ea typeface="微軟正黑體" panose="020B0604030504040204" pitchFamily="34" charset="-120"/>
+              </a:rPr>
+              <a:t>範例</a:t>
+            </a:r>
+          </a:p>
+        </p:txBody>
+      </p:sp>
+      <p:sp>
+        <p:nvSpPr>
+          <p:cNvPr id="3" name="內容版面配置區 2">
+            <a:extLst>
+              <a:ext uri="{FF2B5EF4-FFF2-40B4-BE49-F238E27FC236}">
+                <a16:creationId xmlns:a16="http://schemas.microsoft.com/office/drawing/2014/main" id="{3ABFD44D-8A96-48EF-87FE-009D440D49A9}"/>
+              </a:ext>
+            </a:extLst>
+          </p:cNvPr>
+          <p:cNvSpPr>
+            <a:spLocks noGrp="1"/>
+          </p:cNvSpPr>
+          <p:nvPr>
+            <p:ph idx="1"/>
+          </p:nvPr>
+        </p:nvSpPr>
+        <p:spPr>
+          <a:xfrm>
+            <a:off x="838200" y="1202076"/>
+            <a:ext cx="10515600" cy="5363111"/>
+          </a:xfrm>
+        </p:spPr>
+        <p:txBody>
+          <a:bodyPr>
+            <a:noAutofit/>
+          </a:bodyPr>
+          <a:lstStyle/>
+          <a:p>
+            <a:pPr marL="514350" indent="-514350">
+              <a:buFont typeface="+mj-lt"/>
+              <a:buAutoNum type="arabicPeriod"/>
+            </a:pPr>
+            <a:r>
+              <a:rPr lang="en-US" altLang="zh-TW" dirty="0">
+                <a:effectLst/>
+                <a:latin typeface="Calibri" panose="020F0502020204030204" pitchFamily="34" charset="0"/>
+                <a:ea typeface="新細明體" panose="02020500000000000000" pitchFamily="18" charset="-120"/>
+                <a:cs typeface="Times New Roman" panose="02020603050405020304" pitchFamily="18" charset="0"/>
+              </a:rPr>
+              <a:t>6_0(</a:t>
+            </a:r>
+            <a:r>
+              <a:rPr lang="en-US" altLang="zh-TW" dirty="0" err="1">
+                <a:effectLst/>
+                <a:latin typeface="Calibri" panose="020F0502020204030204" pitchFamily="34" charset="0"/>
+                <a:ea typeface="新細明體" panose="02020500000000000000" pitchFamily="18" charset="-120"/>
+                <a:cs typeface="Times New Roman" panose="02020603050405020304" pitchFamily="18" charset="0"/>
+              </a:rPr>
+              <a:t>gensim</a:t>
+            </a:r>
+            <a:r>
+              <a:rPr lang="en-US" altLang="zh-TW" dirty="0">
+                <a:effectLst/>
+                <a:latin typeface="Calibri" panose="020F0502020204030204" pitchFamily="34" charset="0"/>
+                <a:ea typeface="新細明體" panose="02020500000000000000" pitchFamily="18" charset="-120"/>
+                <a:cs typeface="Times New Roman" panose="02020603050405020304" pitchFamily="18" charset="0"/>
+              </a:rPr>
+              <a:t>).</a:t>
+            </a:r>
+            <a:r>
+              <a:rPr lang="en-US" altLang="zh-TW" dirty="0" err="1">
+                <a:effectLst/>
+                <a:latin typeface="Calibri" panose="020F0502020204030204" pitchFamily="34" charset="0"/>
+                <a:ea typeface="新細明體" panose="02020500000000000000" pitchFamily="18" charset="-120"/>
+                <a:cs typeface="Times New Roman" panose="02020603050405020304" pitchFamily="18" charset="0"/>
+              </a:rPr>
+              <a:t>ipynb</a:t>
+            </a:r>
+            <a:endParaRPr lang="en-US" altLang="zh-TW" dirty="0">
+              <a:effectLst/>
+              <a:latin typeface="Calibri" panose="020F0502020204030204" pitchFamily="34" charset="0"/>
+              <a:ea typeface="新細明體" panose="02020500000000000000" pitchFamily="18" charset="-120"/>
+              <a:cs typeface="Times New Roman" panose="02020603050405020304" pitchFamily="18" charset="0"/>
+            </a:endParaRPr>
+          </a:p>
+        </p:txBody>
+      </p:sp>
+    </p:spTree>
+    <p:extLst>
+      <p:ext uri="{BB962C8B-B14F-4D97-AF65-F5344CB8AC3E}">
+        <p14:creationId xmlns:p14="http://schemas.microsoft.com/office/powerpoint/2010/main" val="4264990371"/>
       </p:ext>
     </p:extLst>
   </p:cSld>
